--- a/resources/Icons.pptx
+++ b/resources/Icons.pptx
@@ -5,7 +5,7 @@
     <p:sldMasterId id="2147483660" r:id="rId1"/>
   </p:sldMasterIdLst>
   <p:notesMasterIdLst>
-    <p:notesMasterId r:id="rId12"/>
+    <p:notesMasterId r:id="rId13"/>
   </p:notesMasterIdLst>
   <p:sldIdLst>
     <p:sldId id="304" r:id="rId2"/>
@@ -18,6 +18,7 @@
     <p:sldId id="311" r:id="rId9"/>
     <p:sldId id="315" r:id="rId10"/>
     <p:sldId id="314" r:id="rId11"/>
+    <p:sldId id="322" r:id="rId12"/>
   </p:sldIdLst>
   <p:sldSz cx="12192000" cy="6858000"/>
   <p:notesSz cx="6858000" cy="9144000"/>
@@ -206,7 +207,7 @@
           <a:p>
             <a:fld id="{96A9D967-561F-47BD-994C-F8898A262F1B}" type="datetimeFigureOut">
               <a:rPr lang="ko-KR" altLang="en-US" smtClean="0"/>
-              <a:t>2026-02-05</a:t>
+              <a:t>2026-02-07</a:t>
             </a:fld>
             <a:endParaRPr lang="ko-KR" altLang="en-US"/>
           </a:p>
@@ -604,7 +605,7 @@
           <a:p>
             <a:fld id="{3C63C116-713F-0149-B71F-9379DC7A2FA2}" type="datetimeFigureOut">
               <a:rPr kumimoji="1" lang="ko-KR" altLang="en-US" smtClean="0"/>
-              <a:t>2026-02-05</a:t>
+              <a:t>2026-02-07</a:t>
             </a:fld>
             <a:endParaRPr kumimoji="1" lang="ko-KR" altLang="en-US"/>
           </a:p>
@@ -774,7 +775,7 @@
           <a:p>
             <a:fld id="{3C63C116-713F-0149-B71F-9379DC7A2FA2}" type="datetimeFigureOut">
               <a:rPr kumimoji="1" lang="ko-KR" altLang="en-US" smtClean="0"/>
-              <a:t>2026-02-05</a:t>
+              <a:t>2026-02-07</a:t>
             </a:fld>
             <a:endParaRPr kumimoji="1" lang="ko-KR" altLang="en-US"/>
           </a:p>
@@ -954,7 +955,7 @@
           <a:p>
             <a:fld id="{3C63C116-713F-0149-B71F-9379DC7A2FA2}" type="datetimeFigureOut">
               <a:rPr kumimoji="1" lang="ko-KR" altLang="en-US" smtClean="0"/>
-              <a:t>2026-02-05</a:t>
+              <a:t>2026-02-07</a:t>
             </a:fld>
             <a:endParaRPr kumimoji="1" lang="ko-KR" altLang="en-US"/>
           </a:p>
@@ -1124,7 +1125,7 @@
           <a:p>
             <a:fld id="{3C63C116-713F-0149-B71F-9379DC7A2FA2}" type="datetimeFigureOut">
               <a:rPr kumimoji="1" lang="ko-KR" altLang="en-US" smtClean="0"/>
-              <a:t>2026-02-05</a:t>
+              <a:t>2026-02-07</a:t>
             </a:fld>
             <a:endParaRPr kumimoji="1" lang="ko-KR" altLang="en-US"/>
           </a:p>
@@ -1370,7 +1371,7 @@
           <a:p>
             <a:fld id="{3C63C116-713F-0149-B71F-9379DC7A2FA2}" type="datetimeFigureOut">
               <a:rPr kumimoji="1" lang="ko-KR" altLang="en-US" smtClean="0"/>
-              <a:t>2026-02-05</a:t>
+              <a:t>2026-02-07</a:t>
             </a:fld>
             <a:endParaRPr kumimoji="1" lang="ko-KR" altLang="en-US"/>
           </a:p>
@@ -1602,7 +1603,7 @@
           <a:p>
             <a:fld id="{3C63C116-713F-0149-B71F-9379DC7A2FA2}" type="datetimeFigureOut">
               <a:rPr kumimoji="1" lang="ko-KR" altLang="en-US" smtClean="0"/>
-              <a:t>2026-02-05</a:t>
+              <a:t>2026-02-07</a:t>
             </a:fld>
             <a:endParaRPr kumimoji="1" lang="ko-KR" altLang="en-US"/>
           </a:p>
@@ -1969,7 +1970,7 @@
           <a:p>
             <a:fld id="{3C63C116-713F-0149-B71F-9379DC7A2FA2}" type="datetimeFigureOut">
               <a:rPr kumimoji="1" lang="ko-KR" altLang="en-US" smtClean="0"/>
-              <a:t>2026-02-05</a:t>
+              <a:t>2026-02-07</a:t>
             </a:fld>
             <a:endParaRPr kumimoji="1" lang="ko-KR" altLang="en-US"/>
           </a:p>
@@ -2087,7 +2088,7 @@
           <a:p>
             <a:fld id="{3C63C116-713F-0149-B71F-9379DC7A2FA2}" type="datetimeFigureOut">
               <a:rPr kumimoji="1" lang="ko-KR" altLang="en-US" smtClean="0"/>
-              <a:t>2026-02-05</a:t>
+              <a:t>2026-02-07</a:t>
             </a:fld>
             <a:endParaRPr kumimoji="1" lang="ko-KR" altLang="en-US"/>
           </a:p>
@@ -2182,7 +2183,7 @@
           <a:p>
             <a:fld id="{3C63C116-713F-0149-B71F-9379DC7A2FA2}" type="datetimeFigureOut">
               <a:rPr kumimoji="1" lang="ko-KR" altLang="en-US" smtClean="0"/>
-              <a:t>2026-02-05</a:t>
+              <a:t>2026-02-07</a:t>
             </a:fld>
             <a:endParaRPr kumimoji="1" lang="ko-KR" altLang="en-US"/>
           </a:p>
@@ -2459,7 +2460,7 @@
           <a:p>
             <a:fld id="{3C63C116-713F-0149-B71F-9379DC7A2FA2}" type="datetimeFigureOut">
               <a:rPr kumimoji="1" lang="ko-KR" altLang="en-US" smtClean="0"/>
-              <a:t>2026-02-05</a:t>
+              <a:t>2026-02-07</a:t>
             </a:fld>
             <a:endParaRPr kumimoji="1" lang="ko-KR" altLang="en-US"/>
           </a:p>
@@ -2716,7 +2717,7 @@
           <a:p>
             <a:fld id="{3C63C116-713F-0149-B71F-9379DC7A2FA2}" type="datetimeFigureOut">
               <a:rPr kumimoji="1" lang="ko-KR" altLang="en-US" smtClean="0"/>
-              <a:t>2026-02-05</a:t>
+              <a:t>2026-02-07</a:t>
             </a:fld>
             <a:endParaRPr kumimoji="1" lang="ko-KR" altLang="en-US"/>
           </a:p>
@@ -2929,7 +2930,7 @@
           <a:p>
             <a:fld id="{3C63C116-713F-0149-B71F-9379DC7A2FA2}" type="datetimeFigureOut">
               <a:rPr kumimoji="1" lang="ko-KR" altLang="en-US" smtClean="0"/>
-              <a:t>2026-02-05</a:t>
+              <a:t>2026-02-07</a:t>
             </a:fld>
             <a:endParaRPr kumimoji="1" lang="ko-KR" altLang="en-US"/>
           </a:p>
@@ -5549,6 +5550,912 @@
     <p:extLst>
       <p:ext uri="{BB962C8B-B14F-4D97-AF65-F5344CB8AC3E}">
         <p14:creationId xmlns:p14="http://schemas.microsoft.com/office/powerpoint/2010/main" val="1733610567"/>
+      </p:ext>
+    </p:extLst>
+  </p:cSld>
+  <p:clrMapOvr>
+    <a:masterClrMapping/>
+  </p:clrMapOvr>
+</p:sld>
+</file>
+
+<file path=ppt/slides/slide11.xml><?xml version="1.0" encoding="utf-8"?>
+<p:sld xmlns:a="http://schemas.openxmlformats.org/drawingml/2006/main" xmlns:r="http://schemas.openxmlformats.org/officeDocument/2006/relationships" xmlns:p="http://schemas.openxmlformats.org/presentationml/2006/main">
+  <p:cSld>
+    <p:spTree>
+      <p:nvGrpSpPr>
+        <p:cNvPr id="1" name="">
+          <a:extLst>
+            <a:ext uri="{FF2B5EF4-FFF2-40B4-BE49-F238E27FC236}">
+              <a16:creationId xmlns:a16="http://schemas.microsoft.com/office/drawing/2014/main" id="{BD83E8E7-55F3-EC1F-56D3-5A54F76D9312}"/>
+            </a:ext>
+          </a:extLst>
+        </p:cNvPr>
+        <p:cNvGrpSpPr/>
+        <p:nvPr/>
+      </p:nvGrpSpPr>
+      <p:grpSpPr>
+        <a:xfrm>
+          <a:off x="0" y="0"/>
+          <a:ext cx="0" cy="0"/>
+          <a:chOff x="0" y="0"/>
+          <a:chExt cx="0" cy="0"/>
+        </a:xfrm>
+      </p:grpSpPr>
+      <p:pic>
+        <p:nvPicPr>
+          <p:cNvPr id="8" name="그림 7" descr="텍스트, 폰트, 그래픽, 로고이(가) 표시된 사진&#10;&#10;AI 생성 콘텐츠는 정확하지 않을 수 있습니다.">
+            <a:extLst>
+              <a:ext uri="{FF2B5EF4-FFF2-40B4-BE49-F238E27FC236}">
+                <a16:creationId xmlns:a16="http://schemas.microsoft.com/office/drawing/2014/main" id="{82B588AD-CD53-3524-8B46-F2763DA9895D}"/>
+              </a:ext>
+            </a:extLst>
+          </p:cNvPr>
+          <p:cNvPicPr>
+            <a:picLocks noGrp="1" noRot="1" noChangeAspect="1" noMove="1" noResize="1" noEditPoints="1" noAdjustHandles="1" noChangeArrowheads="1" noChangeShapeType="1" noCrop="1"/>
+          </p:cNvPicPr>
+          <p:nvPr/>
+        </p:nvPicPr>
+        <p:blipFill>
+          <a:blip r:embed="rId2">
+            <a:alphaModFix amt="20000"/>
+          </a:blip>
+          <a:srcRect t="25555" r="17502" b="26260"/>
+          <a:stretch>
+            <a:fillRect/>
+          </a:stretch>
+        </p:blipFill>
+        <p:spPr>
+          <a:xfrm>
+            <a:off x="9680334" y="5800440"/>
+            <a:ext cx="2419306" cy="965200"/>
+          </a:xfrm>
+          <a:prstGeom prst="rect">
+            <a:avLst/>
+          </a:prstGeom>
+        </p:spPr>
+      </p:pic>
+      <p:sp>
+        <p:nvSpPr>
+          <p:cNvPr id="2" name="TextBox 1">
+            <a:extLst>
+              <a:ext uri="{FF2B5EF4-FFF2-40B4-BE49-F238E27FC236}">
+                <a16:creationId xmlns:a16="http://schemas.microsoft.com/office/drawing/2014/main" id="{420B9ED4-B84A-D7FD-D8EB-19FDA9D3473C}"/>
+              </a:ext>
+            </a:extLst>
+          </p:cNvPr>
+          <p:cNvSpPr txBox="1"/>
+          <p:nvPr/>
+        </p:nvSpPr>
+        <p:spPr>
+          <a:xfrm>
+            <a:off x="409407" y="494789"/>
+            <a:ext cx="1412566" cy="584775"/>
+          </a:xfrm>
+          <a:prstGeom prst="rect">
+            <a:avLst/>
+          </a:prstGeom>
+          <a:noFill/>
+        </p:spPr>
+        <p:txBody>
+          <a:bodyPr wrap="none" rtlCol="0">
+            <a:spAutoFit/>
+          </a:bodyPr>
+          <a:lstStyle/>
+          <a:p>
+            <a:r>
+              <a:rPr kumimoji="1" lang="en-US" altLang="ko-KR" sz="3200" dirty="0">
+                <a:latin typeface="Haan YoonGothic 760" panose="02000503000000000000" pitchFamily="2" charset="-127"/>
+                <a:ea typeface="Haan YoonGothic 760" panose="02000503000000000000" pitchFamily="2" charset="-127"/>
+              </a:rPr>
+              <a:t>Comet</a:t>
+            </a:r>
+            <a:endParaRPr kumimoji="1" lang="ko-KR" altLang="en-US" sz="3200" dirty="0">
+              <a:latin typeface="Haan YoonGothic 760" panose="02000503000000000000" pitchFamily="2" charset="-127"/>
+              <a:ea typeface="Haan YoonGothic 760" panose="02000503000000000000" pitchFamily="2" charset="-127"/>
+            </a:endParaRPr>
+          </a:p>
+        </p:txBody>
+      </p:sp>
+      <p:grpSp>
+        <p:nvGrpSpPr>
+          <p:cNvPr id="4" name="그룹 3">
+            <a:extLst>
+              <a:ext uri="{FF2B5EF4-FFF2-40B4-BE49-F238E27FC236}">
+                <a16:creationId xmlns:a16="http://schemas.microsoft.com/office/drawing/2014/main" id="{8EB34F40-C2E4-96D4-D3A9-17753ED1865C}"/>
+              </a:ext>
+            </a:extLst>
+          </p:cNvPr>
+          <p:cNvGrpSpPr/>
+          <p:nvPr/>
+        </p:nvGrpSpPr>
+        <p:grpSpPr>
+          <a:xfrm>
+            <a:off x="4422846" y="1871979"/>
+            <a:ext cx="3346307" cy="3346307"/>
+            <a:chOff x="4422846" y="1871979"/>
+            <a:chExt cx="3346307" cy="3346307"/>
+          </a:xfrm>
+        </p:grpSpPr>
+        <p:sp>
+          <p:nvSpPr>
+            <p:cNvPr id="3" name="사각형: 둥근 모서리 2">
+              <a:extLst>
+                <a:ext uri="{FF2B5EF4-FFF2-40B4-BE49-F238E27FC236}">
+                  <a16:creationId xmlns:a16="http://schemas.microsoft.com/office/drawing/2014/main" id="{051A033F-E9D6-B587-02C1-521C3DC025EE}"/>
+                </a:ext>
+              </a:extLst>
+            </p:cNvPr>
+            <p:cNvSpPr/>
+            <p:nvPr/>
+          </p:nvSpPr>
+          <p:spPr>
+            <a:xfrm>
+              <a:off x="4422846" y="1871979"/>
+              <a:ext cx="3346307" cy="3346307"/>
+            </a:xfrm>
+            <a:prstGeom prst="roundRect">
+              <a:avLst>
+                <a:gd name="adj" fmla="val 13499"/>
+              </a:avLst>
+            </a:prstGeom>
+            <a:gradFill>
+              <a:gsLst>
+                <a:gs pos="75000">
+                  <a:schemeClr val="bg1">
+                    <a:lumMod val="85000"/>
+                    <a:lumOff val="15000"/>
+                  </a:schemeClr>
+                </a:gs>
+                <a:gs pos="11000">
+                  <a:schemeClr val="bg1">
+                    <a:lumMod val="65000"/>
+                    <a:lumOff val="35000"/>
+                  </a:schemeClr>
+                </a:gs>
+              </a:gsLst>
+              <a:lin ang="5400000" scaled="1"/>
+            </a:gradFill>
+            <a:ln>
+              <a:noFill/>
+            </a:ln>
+          </p:spPr>
+          <p:style>
+            <a:lnRef idx="2">
+              <a:schemeClr val="dk1">
+                <a:shade val="15000"/>
+              </a:schemeClr>
+            </a:lnRef>
+            <a:fillRef idx="1">
+              <a:schemeClr val="dk1"/>
+            </a:fillRef>
+            <a:effectRef idx="0">
+              <a:schemeClr val="dk1"/>
+            </a:effectRef>
+            <a:fontRef idx="minor">
+              <a:schemeClr val="lt1"/>
+            </a:fontRef>
+          </p:style>
+          <p:txBody>
+            <a:bodyPr rtlCol="0" anchor="t"/>
+            <a:lstStyle/>
+            <a:p>
+              <a:pPr algn="ctr"/>
+              <a:endParaRPr kumimoji="1" lang="ko-KR" altLang="en-US" dirty="0">
+                <a:latin typeface="Haan YoonGothic 720" panose="02000503000000000000" pitchFamily="2" charset="-127"/>
+                <a:ea typeface="Haan YoonGothic 720" panose="02000503000000000000" pitchFamily="2" charset="-127"/>
+              </a:endParaRPr>
+            </a:p>
+          </p:txBody>
+        </p:sp>
+        <p:sp>
+          <p:nvSpPr>
+            <p:cNvPr id="13" name="사각형: 둥근 모서리 12">
+              <a:extLst>
+                <a:ext uri="{FF2B5EF4-FFF2-40B4-BE49-F238E27FC236}">
+                  <a16:creationId xmlns:a16="http://schemas.microsoft.com/office/drawing/2014/main" id="{0AAAF69D-E0D1-ECB7-B97C-F309F06098B2}"/>
+                </a:ext>
+              </a:extLst>
+            </p:cNvPr>
+            <p:cNvSpPr/>
+            <p:nvPr/>
+          </p:nvSpPr>
+          <p:spPr>
+            <a:xfrm rot="10800000" flipV="1">
+              <a:off x="4600200" y="2048726"/>
+              <a:ext cx="2991600" cy="2992812"/>
+            </a:xfrm>
+            <a:prstGeom prst="roundRect">
+              <a:avLst>
+                <a:gd name="adj" fmla="val 10213"/>
+              </a:avLst>
+            </a:prstGeom>
+            <a:gradFill flip="none" rotWithShape="1">
+              <a:gsLst>
+                <a:gs pos="89000">
+                  <a:srgbClr val="150513"/>
+                </a:gs>
+                <a:gs pos="0">
+                  <a:srgbClr val="000A1E"/>
+                </a:gs>
+              </a:gsLst>
+              <a:lin ang="2700000" scaled="1"/>
+              <a:tileRect/>
+            </a:gradFill>
+            <a:ln>
+              <a:noFill/>
+            </a:ln>
+          </p:spPr>
+          <p:style>
+            <a:lnRef idx="2">
+              <a:schemeClr val="dk1">
+                <a:shade val="15000"/>
+              </a:schemeClr>
+            </a:lnRef>
+            <a:fillRef idx="1">
+              <a:schemeClr val="dk1"/>
+            </a:fillRef>
+            <a:effectRef idx="0">
+              <a:schemeClr val="dk1"/>
+            </a:effectRef>
+            <a:fontRef idx="minor">
+              <a:schemeClr val="lt1"/>
+            </a:fontRef>
+          </p:style>
+          <p:txBody>
+            <a:bodyPr rtlCol="0" anchor="t"/>
+            <a:lstStyle/>
+            <a:p>
+              <a:pPr algn="ctr"/>
+              <a:endParaRPr kumimoji="1" lang="ko-KR" altLang="en-US" dirty="0">
+                <a:latin typeface="Haan YoonGothic 720" panose="02000503000000000000" pitchFamily="2" charset="-127"/>
+                <a:ea typeface="Haan YoonGothic 720" panose="02000503000000000000" pitchFamily="2" charset="-127"/>
+              </a:endParaRPr>
+            </a:p>
+          </p:txBody>
+        </p:sp>
+        <p:sp>
+          <p:nvSpPr>
+            <p:cNvPr id="15" name="순서도: 저장 데이터 14">
+              <a:extLst>
+                <a:ext uri="{FF2B5EF4-FFF2-40B4-BE49-F238E27FC236}">
+                  <a16:creationId xmlns:a16="http://schemas.microsoft.com/office/drawing/2014/main" id="{569B258F-2EEA-B87A-4B9D-DE663217233D}"/>
+                </a:ext>
+              </a:extLst>
+            </p:cNvPr>
+            <p:cNvSpPr/>
+            <p:nvPr/>
+          </p:nvSpPr>
+          <p:spPr>
+            <a:xfrm rot="19260000">
+              <a:off x="5240106" y="3546476"/>
+              <a:ext cx="1036615" cy="179686"/>
+            </a:xfrm>
+            <a:prstGeom prst="flowChartOnlineStorage">
+              <a:avLst/>
+            </a:prstGeom>
+            <a:solidFill>
+              <a:schemeClr val="tx1"/>
+            </a:solidFill>
+            <a:ln>
+              <a:solidFill>
+                <a:schemeClr val="tx1"/>
+              </a:solidFill>
+            </a:ln>
+          </p:spPr>
+          <p:style>
+            <a:lnRef idx="2">
+              <a:schemeClr val="dk1">
+                <a:shade val="15000"/>
+              </a:schemeClr>
+            </a:lnRef>
+            <a:fillRef idx="1">
+              <a:schemeClr val="dk1"/>
+            </a:fillRef>
+            <a:effectRef idx="0">
+              <a:schemeClr val="dk1"/>
+            </a:effectRef>
+            <a:fontRef idx="minor">
+              <a:schemeClr val="lt1"/>
+            </a:fontRef>
+          </p:style>
+          <p:txBody>
+            <a:bodyPr rtlCol="0" anchor="t"/>
+            <a:lstStyle/>
+            <a:p>
+              <a:pPr algn="ctr"/>
+              <a:endParaRPr kumimoji="1" lang="ko-KR" altLang="en-US" dirty="0">
+                <a:latin typeface="Haan YoonGothic 720" panose="02000503000000000000" pitchFamily="2" charset="-127"/>
+                <a:ea typeface="Haan YoonGothic 720" panose="02000503000000000000" pitchFamily="2" charset="-127"/>
+              </a:endParaRPr>
+            </a:p>
+          </p:txBody>
+        </p:sp>
+        <p:sp>
+          <p:nvSpPr>
+            <p:cNvPr id="21" name="직사각형 20">
+              <a:extLst>
+                <a:ext uri="{FF2B5EF4-FFF2-40B4-BE49-F238E27FC236}">
+                  <a16:creationId xmlns:a16="http://schemas.microsoft.com/office/drawing/2014/main" id="{8CEA7B06-5360-8C95-DB77-14FA89ED2A3D}"/>
+                </a:ext>
+              </a:extLst>
+            </p:cNvPr>
+            <p:cNvSpPr/>
+            <p:nvPr/>
+          </p:nvSpPr>
+          <p:spPr>
+            <a:xfrm rot="19260000">
+              <a:off x="5691581" y="3010206"/>
+              <a:ext cx="914400" cy="198406"/>
+            </a:xfrm>
+            <a:prstGeom prst="rect">
+              <a:avLst/>
+            </a:prstGeom>
+            <a:solidFill>
+              <a:schemeClr val="tx1"/>
+            </a:solidFill>
+            <a:ln>
+              <a:solidFill>
+                <a:schemeClr val="tx1"/>
+              </a:solidFill>
+            </a:ln>
+          </p:spPr>
+          <p:style>
+            <a:lnRef idx="2">
+              <a:schemeClr val="dk1">
+                <a:shade val="15000"/>
+              </a:schemeClr>
+            </a:lnRef>
+            <a:fillRef idx="1">
+              <a:schemeClr val="dk1"/>
+            </a:fillRef>
+            <a:effectRef idx="0">
+              <a:schemeClr val="dk1"/>
+            </a:effectRef>
+            <a:fontRef idx="minor">
+              <a:schemeClr val="lt1"/>
+            </a:fontRef>
+          </p:style>
+          <p:txBody>
+            <a:bodyPr rtlCol="0" anchor="t"/>
+            <a:lstStyle/>
+            <a:p>
+              <a:pPr algn="ctr"/>
+              <a:endParaRPr kumimoji="1" lang="ko-KR" altLang="en-US" dirty="0">
+                <a:latin typeface="Haan YoonGothic 720" panose="02000503000000000000" pitchFamily="2" charset="-127"/>
+                <a:ea typeface="Haan YoonGothic 720" panose="02000503000000000000" pitchFamily="2" charset="-127"/>
+              </a:endParaRPr>
+            </a:p>
+          </p:txBody>
+        </p:sp>
+        <p:sp>
+          <p:nvSpPr>
+            <p:cNvPr id="38" name="직사각형 37">
+              <a:extLst>
+                <a:ext uri="{FF2B5EF4-FFF2-40B4-BE49-F238E27FC236}">
+                  <a16:creationId xmlns:a16="http://schemas.microsoft.com/office/drawing/2014/main" id="{1C5CB3C3-D380-9F03-37DB-6C2C546D1272}"/>
+                </a:ext>
+              </a:extLst>
+            </p:cNvPr>
+            <p:cNvSpPr/>
+            <p:nvPr/>
+          </p:nvSpPr>
+          <p:spPr>
+            <a:xfrm rot="19260000">
+              <a:off x="5867929" y="3151072"/>
+              <a:ext cx="1306648" cy="217587"/>
+            </a:xfrm>
+            <a:prstGeom prst="rect">
+              <a:avLst/>
+            </a:prstGeom>
+            <a:solidFill>
+              <a:schemeClr val="tx1"/>
+            </a:solidFill>
+            <a:ln>
+              <a:solidFill>
+                <a:schemeClr val="tx1"/>
+              </a:solidFill>
+            </a:ln>
+          </p:spPr>
+          <p:style>
+            <a:lnRef idx="2">
+              <a:schemeClr val="dk1">
+                <a:shade val="15000"/>
+              </a:schemeClr>
+            </a:lnRef>
+            <a:fillRef idx="1">
+              <a:schemeClr val="dk1"/>
+            </a:fillRef>
+            <a:effectRef idx="0">
+              <a:schemeClr val="dk1"/>
+            </a:effectRef>
+            <a:fontRef idx="minor">
+              <a:schemeClr val="lt1"/>
+            </a:fontRef>
+          </p:style>
+          <p:txBody>
+            <a:bodyPr rtlCol="0" anchor="t"/>
+            <a:lstStyle/>
+            <a:p>
+              <a:pPr algn="ctr"/>
+              <a:endParaRPr kumimoji="1" lang="ko-KR" altLang="en-US" dirty="0">
+                <a:latin typeface="Haan YoonGothic 720" panose="02000503000000000000" pitchFamily="2" charset="-127"/>
+                <a:ea typeface="Haan YoonGothic 720" panose="02000503000000000000" pitchFamily="2" charset="-127"/>
+              </a:endParaRPr>
+            </a:p>
+          </p:txBody>
+        </p:sp>
+        <p:sp>
+          <p:nvSpPr>
+            <p:cNvPr id="39" name="직사각형 38">
+              <a:extLst>
+                <a:ext uri="{FF2B5EF4-FFF2-40B4-BE49-F238E27FC236}">
+                  <a16:creationId xmlns:a16="http://schemas.microsoft.com/office/drawing/2014/main" id="{77C93D05-BE10-624C-C1BC-EC851C4D0D74}"/>
+                </a:ext>
+              </a:extLst>
+            </p:cNvPr>
+            <p:cNvSpPr/>
+            <p:nvPr/>
+          </p:nvSpPr>
+          <p:spPr>
+            <a:xfrm rot="19260000">
+              <a:off x="6170122" y="3607276"/>
+              <a:ext cx="914400" cy="142916"/>
+            </a:xfrm>
+            <a:prstGeom prst="rect">
+              <a:avLst/>
+            </a:prstGeom>
+            <a:solidFill>
+              <a:schemeClr val="tx1"/>
+            </a:solidFill>
+            <a:ln>
+              <a:solidFill>
+                <a:schemeClr val="tx1"/>
+              </a:solidFill>
+            </a:ln>
+          </p:spPr>
+          <p:style>
+            <a:lnRef idx="2">
+              <a:schemeClr val="dk1">
+                <a:shade val="15000"/>
+              </a:schemeClr>
+            </a:lnRef>
+            <a:fillRef idx="1">
+              <a:schemeClr val="dk1"/>
+            </a:fillRef>
+            <a:effectRef idx="0">
+              <a:schemeClr val="dk1"/>
+            </a:effectRef>
+            <a:fontRef idx="minor">
+              <a:schemeClr val="lt1"/>
+            </a:fontRef>
+          </p:style>
+          <p:txBody>
+            <a:bodyPr rtlCol="0" anchor="t"/>
+            <a:lstStyle/>
+            <a:p>
+              <a:pPr algn="ctr"/>
+              <a:endParaRPr kumimoji="1" lang="ko-KR" altLang="en-US" dirty="0">
+                <a:latin typeface="Haan YoonGothic 720" panose="02000503000000000000" pitchFamily="2" charset="-127"/>
+                <a:ea typeface="Haan YoonGothic 720" panose="02000503000000000000" pitchFamily="2" charset="-127"/>
+              </a:endParaRPr>
+            </a:p>
+          </p:txBody>
+        </p:sp>
+        <p:sp>
+          <p:nvSpPr>
+            <p:cNvPr id="40" name="순서도: 저장 데이터 39">
+              <a:extLst>
+                <a:ext uri="{FF2B5EF4-FFF2-40B4-BE49-F238E27FC236}">
+                  <a16:creationId xmlns:a16="http://schemas.microsoft.com/office/drawing/2014/main" id="{EBC6C20C-8B25-918B-B14C-9C30FC6BD434}"/>
+                </a:ext>
+              </a:extLst>
+            </p:cNvPr>
+            <p:cNvSpPr/>
+            <p:nvPr/>
+          </p:nvSpPr>
+          <p:spPr>
+            <a:xfrm rot="19260000">
+              <a:off x="5843934" y="3612417"/>
+              <a:ext cx="899078" cy="217637"/>
+            </a:xfrm>
+            <a:prstGeom prst="flowChartOnlineStorage">
+              <a:avLst/>
+            </a:prstGeom>
+            <a:solidFill>
+              <a:schemeClr val="tx1"/>
+            </a:solidFill>
+            <a:ln>
+              <a:solidFill>
+                <a:schemeClr val="tx1"/>
+              </a:solidFill>
+            </a:ln>
+          </p:spPr>
+          <p:style>
+            <a:lnRef idx="2">
+              <a:schemeClr val="dk1">
+                <a:shade val="15000"/>
+              </a:schemeClr>
+            </a:lnRef>
+            <a:fillRef idx="1">
+              <a:schemeClr val="dk1"/>
+            </a:fillRef>
+            <a:effectRef idx="0">
+              <a:schemeClr val="dk1"/>
+            </a:effectRef>
+            <a:fontRef idx="minor">
+              <a:schemeClr val="lt1"/>
+            </a:fontRef>
+          </p:style>
+          <p:txBody>
+            <a:bodyPr rtlCol="0" anchor="t"/>
+            <a:lstStyle/>
+            <a:p>
+              <a:pPr algn="ctr"/>
+              <a:endParaRPr kumimoji="1" lang="ko-KR" altLang="en-US" dirty="0">
+                <a:latin typeface="Haan YoonGothic 720" panose="02000503000000000000" pitchFamily="2" charset="-127"/>
+                <a:ea typeface="Haan YoonGothic 720" panose="02000503000000000000" pitchFamily="2" charset="-127"/>
+              </a:endParaRPr>
+            </a:p>
+          </p:txBody>
+        </p:sp>
+        <p:sp>
+          <p:nvSpPr>
+            <p:cNvPr id="41" name="타원 40">
+              <a:extLst>
+                <a:ext uri="{FF2B5EF4-FFF2-40B4-BE49-F238E27FC236}">
+                  <a16:creationId xmlns:a16="http://schemas.microsoft.com/office/drawing/2014/main" id="{5A059D67-9969-895F-C0C3-7CE8CC4771FA}"/>
+                </a:ext>
+              </a:extLst>
+            </p:cNvPr>
+            <p:cNvSpPr/>
+            <p:nvPr/>
+          </p:nvSpPr>
+          <p:spPr>
+            <a:xfrm>
+              <a:off x="6414422" y="2710350"/>
+              <a:ext cx="197578" cy="197578"/>
+            </a:xfrm>
+            <a:prstGeom prst="ellipse">
+              <a:avLst/>
+            </a:prstGeom>
+            <a:solidFill>
+              <a:schemeClr val="tx1"/>
+            </a:solidFill>
+            <a:ln>
+              <a:solidFill>
+                <a:schemeClr val="tx1"/>
+              </a:solidFill>
+            </a:ln>
+          </p:spPr>
+          <p:style>
+            <a:lnRef idx="2">
+              <a:schemeClr val="dk1">
+                <a:shade val="15000"/>
+              </a:schemeClr>
+            </a:lnRef>
+            <a:fillRef idx="1">
+              <a:schemeClr val="dk1"/>
+            </a:fillRef>
+            <a:effectRef idx="0">
+              <a:schemeClr val="dk1"/>
+            </a:effectRef>
+            <a:fontRef idx="minor">
+              <a:schemeClr val="lt1"/>
+            </a:fontRef>
+          </p:style>
+          <p:txBody>
+            <a:bodyPr rtlCol="0" anchor="t"/>
+            <a:lstStyle/>
+            <a:p>
+              <a:pPr algn="ctr"/>
+              <a:endParaRPr kumimoji="1" lang="ko-KR" altLang="en-US" dirty="0">
+                <a:latin typeface="Haan YoonGothic 720" panose="02000503000000000000" pitchFamily="2" charset="-127"/>
+                <a:ea typeface="Haan YoonGothic 720" panose="02000503000000000000" pitchFamily="2" charset="-127"/>
+              </a:endParaRPr>
+            </a:p>
+          </p:txBody>
+        </p:sp>
+        <p:sp>
+          <p:nvSpPr>
+            <p:cNvPr id="42" name="타원 41">
+              <a:extLst>
+                <a:ext uri="{FF2B5EF4-FFF2-40B4-BE49-F238E27FC236}">
+                  <a16:creationId xmlns:a16="http://schemas.microsoft.com/office/drawing/2014/main" id="{8150AC7F-15D4-DBBB-6C41-BDA5CB8E7423}"/>
+                </a:ext>
+              </a:extLst>
+            </p:cNvPr>
+            <p:cNvSpPr/>
+            <p:nvPr/>
+          </p:nvSpPr>
+          <p:spPr>
+            <a:xfrm>
+              <a:off x="6918431" y="2736587"/>
+              <a:ext cx="222311" cy="213251"/>
+            </a:xfrm>
+            <a:prstGeom prst="ellipse">
+              <a:avLst/>
+            </a:prstGeom>
+            <a:solidFill>
+              <a:schemeClr val="tx1"/>
+            </a:solidFill>
+            <a:ln>
+              <a:solidFill>
+                <a:schemeClr val="tx1"/>
+              </a:solidFill>
+            </a:ln>
+          </p:spPr>
+          <p:style>
+            <a:lnRef idx="2">
+              <a:schemeClr val="dk1">
+                <a:shade val="15000"/>
+              </a:schemeClr>
+            </a:lnRef>
+            <a:fillRef idx="1">
+              <a:schemeClr val="dk1"/>
+            </a:fillRef>
+            <a:effectRef idx="0">
+              <a:schemeClr val="dk1"/>
+            </a:effectRef>
+            <a:fontRef idx="minor">
+              <a:schemeClr val="lt1"/>
+            </a:fontRef>
+          </p:style>
+          <p:txBody>
+            <a:bodyPr rtlCol="0" anchor="t"/>
+            <a:lstStyle/>
+            <a:p>
+              <a:pPr algn="ctr"/>
+              <a:endParaRPr kumimoji="1" lang="ko-KR" altLang="en-US" dirty="0">
+                <a:latin typeface="Haan YoonGothic 720" panose="02000503000000000000" pitchFamily="2" charset="-127"/>
+                <a:ea typeface="Haan YoonGothic 720" panose="02000503000000000000" pitchFamily="2" charset="-127"/>
+              </a:endParaRPr>
+            </a:p>
+          </p:txBody>
+        </p:sp>
+        <p:sp>
+          <p:nvSpPr>
+            <p:cNvPr id="43" name="타원 42">
+              <a:extLst>
+                <a:ext uri="{FF2B5EF4-FFF2-40B4-BE49-F238E27FC236}">
+                  <a16:creationId xmlns:a16="http://schemas.microsoft.com/office/drawing/2014/main" id="{DD755956-BDEB-444B-96F6-5FDDC70EC3E7}"/>
+                </a:ext>
+              </a:extLst>
+            </p:cNvPr>
+            <p:cNvSpPr/>
+            <p:nvPr/>
+          </p:nvSpPr>
+          <p:spPr>
+            <a:xfrm>
+              <a:off x="6917433" y="3307707"/>
+              <a:ext cx="145585" cy="139652"/>
+            </a:xfrm>
+            <a:prstGeom prst="ellipse">
+              <a:avLst/>
+            </a:prstGeom>
+            <a:solidFill>
+              <a:schemeClr val="tx1"/>
+            </a:solidFill>
+            <a:ln>
+              <a:solidFill>
+                <a:schemeClr val="tx1"/>
+              </a:solidFill>
+            </a:ln>
+          </p:spPr>
+          <p:style>
+            <a:lnRef idx="2">
+              <a:schemeClr val="dk1">
+                <a:shade val="15000"/>
+              </a:schemeClr>
+            </a:lnRef>
+            <a:fillRef idx="1">
+              <a:schemeClr val="dk1"/>
+            </a:fillRef>
+            <a:effectRef idx="0">
+              <a:schemeClr val="dk1"/>
+            </a:effectRef>
+            <a:fontRef idx="minor">
+              <a:schemeClr val="lt1"/>
+            </a:fontRef>
+          </p:style>
+          <p:txBody>
+            <a:bodyPr rtlCol="0" anchor="t"/>
+            <a:lstStyle/>
+            <a:p>
+              <a:pPr algn="ctr"/>
+              <a:endParaRPr kumimoji="1" lang="ko-KR" altLang="en-US" dirty="0">
+                <a:latin typeface="Haan YoonGothic 720" panose="02000503000000000000" pitchFamily="2" charset="-127"/>
+                <a:ea typeface="Haan YoonGothic 720" panose="02000503000000000000" pitchFamily="2" charset="-127"/>
+              </a:endParaRPr>
+            </a:p>
+          </p:txBody>
+        </p:sp>
+        <p:sp>
+          <p:nvSpPr>
+            <p:cNvPr id="16" name="직사각형 15">
+              <a:extLst>
+                <a:ext uri="{FF2B5EF4-FFF2-40B4-BE49-F238E27FC236}">
+                  <a16:creationId xmlns:a16="http://schemas.microsoft.com/office/drawing/2014/main" id="{ECFEA848-9039-4AD0-05D1-F53202D7C724}"/>
+                </a:ext>
+              </a:extLst>
+            </p:cNvPr>
+            <p:cNvSpPr/>
+            <p:nvPr/>
+          </p:nvSpPr>
+          <p:spPr>
+            <a:xfrm rot="19259510">
+              <a:off x="5504220" y="3366187"/>
+              <a:ext cx="642425" cy="933549"/>
+            </a:xfrm>
+            <a:prstGeom prst="rect">
+              <a:avLst/>
+            </a:prstGeom>
+            <a:solidFill>
+              <a:schemeClr val="tx1"/>
+            </a:solidFill>
+            <a:ln>
+              <a:noFill/>
+            </a:ln>
+          </p:spPr>
+          <p:style>
+            <a:lnRef idx="2">
+              <a:schemeClr val="dk1">
+                <a:shade val="15000"/>
+              </a:schemeClr>
+            </a:lnRef>
+            <a:fillRef idx="1">
+              <a:schemeClr val="dk1"/>
+            </a:fillRef>
+            <a:effectRef idx="0">
+              <a:schemeClr val="dk1"/>
+            </a:effectRef>
+            <a:fontRef idx="minor">
+              <a:schemeClr val="lt1"/>
+            </a:fontRef>
+          </p:style>
+          <p:txBody>
+            <a:bodyPr rtlCol="0" anchor="t"/>
+            <a:lstStyle/>
+            <a:p>
+              <a:pPr algn="ctr"/>
+              <a:endParaRPr kumimoji="1" lang="ko-KR" altLang="en-US" dirty="0">
+                <a:latin typeface="Haan YoonGothic 720" panose="02000503000000000000" pitchFamily="2" charset="-127"/>
+                <a:ea typeface="Haan YoonGothic 720" panose="02000503000000000000" pitchFamily="2" charset="-127"/>
+              </a:endParaRPr>
+            </a:p>
+          </p:txBody>
+        </p:sp>
+        <p:sp>
+          <p:nvSpPr>
+            <p:cNvPr id="14" name="타원 13">
+              <a:extLst>
+                <a:ext uri="{FF2B5EF4-FFF2-40B4-BE49-F238E27FC236}">
+                  <a16:creationId xmlns:a16="http://schemas.microsoft.com/office/drawing/2014/main" id="{04E4ACAD-719C-8BB0-5E38-EE2E9A321E97}"/>
+                </a:ext>
+              </a:extLst>
+            </p:cNvPr>
+            <p:cNvSpPr/>
+            <p:nvPr/>
+          </p:nvSpPr>
+          <p:spPr>
+            <a:xfrm>
+              <a:off x="5127148" y="3566474"/>
+              <a:ext cx="917071" cy="917071"/>
+            </a:xfrm>
+            <a:prstGeom prst="ellipse">
+              <a:avLst/>
+            </a:prstGeom>
+            <a:solidFill>
+              <a:schemeClr val="bg1"/>
+            </a:solidFill>
+            <a:ln>
+              <a:solidFill>
+                <a:schemeClr val="tx1"/>
+              </a:solidFill>
+            </a:ln>
+          </p:spPr>
+          <p:style>
+            <a:lnRef idx="2">
+              <a:schemeClr val="dk1">
+                <a:shade val="15000"/>
+              </a:schemeClr>
+            </a:lnRef>
+            <a:fillRef idx="1">
+              <a:schemeClr val="dk1"/>
+            </a:fillRef>
+            <a:effectRef idx="0">
+              <a:schemeClr val="dk1"/>
+            </a:effectRef>
+            <a:fontRef idx="minor">
+              <a:schemeClr val="lt1"/>
+            </a:fontRef>
+          </p:style>
+          <p:txBody>
+            <a:bodyPr rtlCol="0" anchor="t"/>
+            <a:lstStyle/>
+            <a:p>
+              <a:pPr algn="ctr"/>
+              <a:endParaRPr kumimoji="1" lang="ko-KR" altLang="en-US" dirty="0">
+                <a:latin typeface="Haan YoonGothic 720" panose="02000503000000000000" pitchFamily="2" charset="-127"/>
+                <a:ea typeface="Haan YoonGothic 720" panose="02000503000000000000" pitchFamily="2" charset="-127"/>
+              </a:endParaRPr>
+            </a:p>
+          </p:txBody>
+        </p:sp>
+        <p:sp>
+          <p:nvSpPr>
+            <p:cNvPr id="45" name="타원 44">
+              <a:extLst>
+                <a:ext uri="{FF2B5EF4-FFF2-40B4-BE49-F238E27FC236}">
+                  <a16:creationId xmlns:a16="http://schemas.microsoft.com/office/drawing/2014/main" id="{F32847CB-CD4E-1992-07DC-7FEA19E4DABC}"/>
+                </a:ext>
+              </a:extLst>
+            </p:cNvPr>
+            <p:cNvSpPr/>
+            <p:nvPr/>
+          </p:nvSpPr>
+          <p:spPr>
+            <a:xfrm>
+              <a:off x="5124996" y="3558018"/>
+              <a:ext cx="917071" cy="917071"/>
+            </a:xfrm>
+            <a:prstGeom prst="ellipse">
+              <a:avLst/>
+            </a:prstGeom>
+            <a:gradFill>
+              <a:gsLst>
+                <a:gs pos="75000">
+                  <a:srgbClr val="7030A0">
+                    <a:alpha val="50000"/>
+                  </a:srgbClr>
+                </a:gs>
+                <a:gs pos="30000">
+                  <a:srgbClr val="002060">
+                    <a:alpha val="50000"/>
+                  </a:srgbClr>
+                </a:gs>
+              </a:gsLst>
+              <a:lin ang="5400000" scaled="1"/>
+            </a:gradFill>
+            <a:ln>
+              <a:solidFill>
+                <a:schemeClr val="tx1"/>
+              </a:solidFill>
+            </a:ln>
+          </p:spPr>
+          <p:style>
+            <a:lnRef idx="2">
+              <a:schemeClr val="dk1">
+                <a:shade val="15000"/>
+              </a:schemeClr>
+            </a:lnRef>
+            <a:fillRef idx="1">
+              <a:schemeClr val="dk1"/>
+            </a:fillRef>
+            <a:effectRef idx="0">
+              <a:schemeClr val="dk1"/>
+            </a:effectRef>
+            <a:fontRef idx="minor">
+              <a:schemeClr val="lt1"/>
+            </a:fontRef>
+          </p:style>
+          <p:txBody>
+            <a:bodyPr rtlCol="0" anchor="t"/>
+            <a:lstStyle/>
+            <a:p>
+              <a:pPr algn="ctr"/>
+              <a:endParaRPr kumimoji="1" lang="ko-KR" altLang="en-US" dirty="0">
+                <a:latin typeface="Haan YoonGothic 720" panose="02000503000000000000" pitchFamily="2" charset="-127"/>
+                <a:ea typeface="Haan YoonGothic 720" panose="02000503000000000000" pitchFamily="2" charset="-127"/>
+              </a:endParaRPr>
+            </a:p>
+          </p:txBody>
+        </p:sp>
+      </p:grpSp>
+    </p:spTree>
+    <p:extLst>
+      <p:ext uri="{BB962C8B-B14F-4D97-AF65-F5344CB8AC3E}">
+        <p14:creationId xmlns:p14="http://schemas.microsoft.com/office/powerpoint/2010/main" val="2158726524"/>
       </p:ext>
     </p:extLst>
   </p:cSld>
